--- a/verse_template.pptx
+++ b/verse_template.pptx
@@ -7,7 +7,7 @@
   <p:notesMasterIdLst>
     <p:notesMasterId r:id="rId5"/>
   </p:notesMasterIdLst>
-  <p:sldSz cx="9144000" cy="5715000" type="screen16x10"/>
+  <p:sldSz cx="10160000" cy="5715000"/>
   <p:notesSz cx="6858000" cy="9144000"/>
   <p:defaultTextStyle>
     <a:defPPr>
@@ -197,7 +197,7 @@
           <a:p>
             <a:fld id="{712EFCBD-FD29-4784-B0D7-57F7C2759831}" type="datetimeFigureOut">
               <a:rPr lang="ko-KR" altLang="en-US" smtClean="0"/>
-              <a:t>2020-09-27</a:t>
+              <a:t>2021-01-23</a:t>
             </a:fld>
             <a:endParaRPr lang="ko-KR" altLang="en-US"/>
           </a:p>
@@ -215,8 +215,8 @@
         </p:nvSpPr>
         <p:spPr>
           <a:xfrm>
-            <a:off x="960438" y="1143000"/>
-            <a:ext cx="4937125" cy="3086100"/>
+            <a:off x="685800" y="1143000"/>
+            <a:ext cx="5486400" cy="3086100"/>
           </a:xfrm>
           <a:prstGeom prst="rect">
             <a:avLst/>
@@ -493,8 +493,8 @@
         </p:nvSpPr>
         <p:spPr>
           <a:xfrm>
-            <a:off x="612000" y="1333500"/>
-            <a:ext cx="7920000" cy="1260000"/>
+            <a:off x="680000" y="1333500"/>
+            <a:ext cx="8800000" cy="1260000"/>
           </a:xfrm>
         </p:spPr>
         <p:txBody>
@@ -503,7 +503,7 @@
           </a:bodyPr>
           <a:lstStyle>
             <a:lvl1pPr algn="ctr">
-              <a:defRPr sz="8000">
+              <a:defRPr sz="10000">
                 <a:latin typeface="나눔고딕 ExtraBold" panose="020D0904000000000000" pitchFamily="50" charset="-127"/>
                 <a:ea typeface="나눔고딕 ExtraBold" panose="020D0904000000000000" pitchFamily="50" charset="-127"/>
               </a:defRPr>
@@ -531,7 +531,7 @@
         <p:spPr>
           <a:xfrm>
             <a:off x="0" y="3038400"/>
-            <a:ext cx="9144000" cy="720000"/>
+            <a:ext cx="10160000" cy="720000"/>
           </a:xfrm>
         </p:spPr>
         <p:txBody>
@@ -541,42 +541,42 @@
           <a:lstStyle>
             <a:lvl1pPr marL="0" indent="0" algn="ctr">
               <a:buNone/>
-              <a:defRPr sz="4000">
+              <a:defRPr sz="3600">
                 <a:latin typeface="나눔고딕 ExtraBold" panose="020D0904000000000000" pitchFamily="50" charset="-127"/>
                 <a:ea typeface="나눔고딕 ExtraBold" panose="020D0904000000000000" pitchFamily="50" charset="-127"/>
               </a:defRPr>
             </a:lvl1pPr>
-            <a:lvl2pPr marL="342900" indent="0" algn="ctr">
+            <a:lvl2pPr marL="380996" indent="0" algn="ctr">
+              <a:buNone/>
+              <a:defRPr sz="1667"/>
+            </a:lvl2pPr>
+            <a:lvl3pPr marL="761992" indent="0" algn="ctr">
               <a:buNone/>
               <a:defRPr sz="1500"/>
-            </a:lvl2pPr>
-            <a:lvl3pPr marL="685800" indent="0" algn="ctr">
-              <a:buNone/>
-              <a:defRPr sz="1350"/>
             </a:lvl3pPr>
-            <a:lvl4pPr marL="1028700" indent="0" algn="ctr">
-              <a:buNone/>
-              <a:defRPr sz="1200"/>
+            <a:lvl4pPr marL="1142989" indent="0" algn="ctr">
+              <a:buNone/>
+              <a:defRPr sz="1333"/>
             </a:lvl4pPr>
-            <a:lvl5pPr marL="1371600" indent="0" algn="ctr">
-              <a:buNone/>
-              <a:defRPr sz="1200"/>
+            <a:lvl5pPr marL="1523985" indent="0" algn="ctr">
+              <a:buNone/>
+              <a:defRPr sz="1333"/>
             </a:lvl5pPr>
-            <a:lvl6pPr marL="1714500" indent="0" algn="ctr">
-              <a:buNone/>
-              <a:defRPr sz="1200"/>
+            <a:lvl6pPr marL="1904981" indent="0" algn="ctr">
+              <a:buNone/>
+              <a:defRPr sz="1333"/>
             </a:lvl6pPr>
-            <a:lvl7pPr marL="2057400" indent="0" algn="ctr">
-              <a:buNone/>
-              <a:defRPr sz="1200"/>
+            <a:lvl7pPr marL="2285977" indent="0" algn="ctr">
+              <a:buNone/>
+              <a:defRPr sz="1333"/>
             </a:lvl7pPr>
-            <a:lvl8pPr marL="2400300" indent="0" algn="ctr">
-              <a:buNone/>
-              <a:defRPr sz="1200"/>
+            <a:lvl8pPr marL="2666973" indent="0" algn="ctr">
+              <a:buNone/>
+              <a:defRPr sz="1333"/>
             </a:lvl8pPr>
-            <a:lvl9pPr marL="2743200" indent="0" algn="ctr">
-              <a:buNone/>
-              <a:defRPr sz="1200"/>
+            <a:lvl9pPr marL="3047970" indent="0" algn="ctr">
+              <a:buNone/>
+              <a:defRPr sz="1333"/>
             </a:lvl9pPr>
           </a:lstStyle>
           <a:p>
@@ -616,8 +616,8 @@
         </p:blipFill>
         <p:spPr>
           <a:xfrm>
-            <a:off x="4081117" y="5161756"/>
-            <a:ext cx="1004656" cy="542791"/>
+            <a:off x="4534575" y="5161757"/>
+            <a:ext cx="1116284" cy="542791"/>
           </a:xfrm>
           <a:prstGeom prst="rect">
             <a:avLst/>
@@ -762,7 +762,7 @@
           <a:p>
             <a:fld id="{C9F3244D-FF4B-4F20-B6B2-61D983D16381}" type="datetimeFigureOut">
               <a:rPr lang="ko-KR" altLang="en-US" smtClean="0"/>
-              <a:t>2020-09-27</a:t>
+              <a:t>2021-01-23</a:t>
             </a:fld>
             <a:endParaRPr lang="ko-KR" altLang="en-US"/>
           </a:p>
@@ -852,8 +852,8 @@
         </p:nvSpPr>
         <p:spPr>
           <a:xfrm>
-            <a:off x="6543675" y="304271"/>
-            <a:ext cx="1971675" cy="4843198"/>
+            <a:off x="7270751" y="304271"/>
+            <a:ext cx="2190750" cy="4843198"/>
           </a:xfrm>
         </p:spPr>
         <p:txBody>
@@ -880,8 +880,8 @@
         </p:nvSpPr>
         <p:spPr>
           <a:xfrm>
-            <a:off x="628650" y="304271"/>
-            <a:ext cx="5800725" cy="4843198"/>
+            <a:off x="698501" y="304271"/>
+            <a:ext cx="6445250" cy="4843198"/>
           </a:xfrm>
         </p:spPr>
         <p:txBody>
@@ -942,7 +942,7 @@
           <a:p>
             <a:fld id="{C9F3244D-FF4B-4F20-B6B2-61D983D16381}" type="datetimeFigureOut">
               <a:rPr lang="ko-KR" altLang="en-US" smtClean="0"/>
-              <a:t>2020-09-27</a:t>
+              <a:t>2021-01-23</a:t>
             </a:fld>
             <a:endParaRPr lang="ko-KR" altLang="en-US"/>
           </a:p>
@@ -1032,12 +1032,12 @@
         </p:nvSpPr>
         <p:spPr>
           <a:xfrm>
-            <a:off x="0" y="13308"/>
-            <a:ext cx="6120000" cy="576000"/>
+            <a:off x="252000" y="72000"/>
+            <a:ext cx="7200000" cy="540000"/>
           </a:xfrm>
         </p:spPr>
         <p:txBody>
-          <a:bodyPr anchor="b" anchorCtr="0">
+          <a:bodyPr anchor="ctr" anchorCtr="0">
             <a:normAutofit/>
           </a:bodyPr>
           <a:lstStyle>
@@ -1095,16 +1095,16 @@
         </p:nvSpPr>
         <p:spPr>
           <a:xfrm>
-            <a:off x="0" y="612000"/>
-            <a:ext cx="9144000" cy="5040000"/>
+            <a:off x="252000" y="612000"/>
+            <a:ext cx="9720000" cy="5040000"/>
           </a:xfrm>
         </p:spPr>
         <p:txBody>
-          <a:bodyPr lIns="360000" rIns="180000">
+          <a:bodyPr lIns="72000" rIns="72000">
             <a:normAutofit/>
           </a:bodyPr>
           <a:lstStyle>
-            <a:lvl1pPr marL="0" indent="360000">
+            <a:lvl1pPr marL="0" indent="399996">
               <a:lnSpc>
                 <a:spcPct val="100000"/>
               </a:lnSpc>
@@ -1121,19 +1121,19 @@
                 <a:ea typeface="맑은 고딕" panose="020B0503020000020004" pitchFamily="50" charset="-127"/>
               </a:defRPr>
             </a:lvl1pPr>
-            <a:lvl2pPr marL="342900" indent="0">
+            <a:lvl2pPr marL="380996" indent="0">
               <a:buNone/>
               <a:defRPr/>
             </a:lvl2pPr>
-            <a:lvl3pPr marL="685800" indent="0">
+            <a:lvl3pPr marL="761992" indent="0">
               <a:buNone/>
               <a:defRPr/>
             </a:lvl3pPr>
-            <a:lvl4pPr marL="1028700" indent="0">
+            <a:lvl4pPr marL="1142989" indent="0">
               <a:buNone/>
               <a:defRPr/>
             </a:lvl4pPr>
-            <a:lvl5pPr marL="1371600" indent="0">
+            <a:lvl5pPr marL="1523985" indent="0">
               <a:buNone/>
               <a:defRPr/>
             </a:lvl5pPr>
@@ -1236,12 +1236,12 @@
         </p:nvSpPr>
         <p:spPr>
           <a:xfrm>
-            <a:off x="0" y="13308"/>
-            <a:ext cx="6120000" cy="576000"/>
+            <a:off x="252000" y="72000"/>
+            <a:ext cx="7200000" cy="540000"/>
           </a:xfrm>
         </p:spPr>
         <p:txBody>
-          <a:bodyPr anchor="b" anchorCtr="0">
+          <a:bodyPr anchor="ctr" anchorCtr="0">
             <a:normAutofit/>
           </a:bodyPr>
           <a:lstStyle>
@@ -1305,8 +1305,8 @@
         </p:nvSpPr>
         <p:spPr>
           <a:xfrm>
-            <a:off x="0" y="612000"/>
-            <a:ext cx="9144000" cy="5040000"/>
+            <a:off x="252000" y="612000"/>
+            <a:ext cx="9720000" cy="5040000"/>
           </a:xfrm>
         </p:spPr>
         <p:txBody>
@@ -1314,7 +1314,7 @@
             <a:normAutofit/>
           </a:bodyPr>
           <a:lstStyle>
-            <a:lvl1pPr marL="360000" indent="-360000">
+            <a:lvl1pPr marL="399996" indent="-399996">
               <a:lnSpc>
                 <a:spcPct val="100000"/>
               </a:lnSpc>
@@ -1331,19 +1331,19 @@
                 <a:ea typeface="맑은 고딕" panose="020B0503020000020004" pitchFamily="50" charset="-127"/>
               </a:defRPr>
             </a:lvl1pPr>
-            <a:lvl2pPr marL="342900" indent="0">
+            <a:lvl2pPr marL="380996" indent="0">
               <a:buNone/>
               <a:defRPr/>
             </a:lvl2pPr>
-            <a:lvl3pPr marL="685800" indent="0">
+            <a:lvl3pPr marL="761992" indent="0">
               <a:buNone/>
               <a:defRPr/>
             </a:lvl3pPr>
-            <a:lvl4pPr marL="1028700" indent="0">
+            <a:lvl4pPr marL="1142989" indent="0">
               <a:buNone/>
               <a:defRPr/>
             </a:lvl4pPr>
-            <a:lvl5pPr marL="1371600" indent="0">
+            <a:lvl5pPr marL="1523985" indent="0">
               <a:buNone/>
               <a:defRPr/>
             </a:lvl5pPr>
@@ -1434,8 +1434,8 @@
         </p:nvSpPr>
         <p:spPr>
           <a:xfrm>
-            <a:off x="628650" y="1521354"/>
-            <a:ext cx="3886200" cy="3626115"/>
+            <a:off x="698500" y="1521355"/>
+            <a:ext cx="4318000" cy="3626115"/>
           </a:xfrm>
         </p:spPr>
         <p:txBody>
@@ -1491,8 +1491,8 @@
         </p:nvSpPr>
         <p:spPr>
           <a:xfrm>
-            <a:off x="4629150" y="1521354"/>
-            <a:ext cx="3886200" cy="3626115"/>
+            <a:off x="5143500" y="1521355"/>
+            <a:ext cx="4318000" cy="3626115"/>
           </a:xfrm>
         </p:spPr>
         <p:txBody>
@@ -1553,7 +1553,7 @@
           <a:p>
             <a:fld id="{C9F3244D-FF4B-4F20-B6B2-61D983D16381}" type="datetimeFigureOut">
               <a:rPr lang="ko-KR" altLang="en-US" smtClean="0"/>
-              <a:t>2020-09-27</a:t>
+              <a:t>2021-01-23</a:t>
             </a:fld>
             <a:endParaRPr lang="ko-KR" altLang="en-US"/>
           </a:p>
@@ -1643,8 +1643,8 @@
         </p:nvSpPr>
         <p:spPr>
           <a:xfrm>
-            <a:off x="629841" y="304271"/>
-            <a:ext cx="7886700" cy="1104636"/>
+            <a:off x="699823" y="304271"/>
+            <a:ext cx="8763000" cy="1104636"/>
           </a:xfrm>
         </p:spPr>
         <p:txBody>
@@ -1671,8 +1671,8 @@
         </p:nvSpPr>
         <p:spPr>
           <a:xfrm>
-            <a:off x="629842" y="1400969"/>
-            <a:ext cx="3868340" cy="686593"/>
+            <a:off x="699824" y="1400970"/>
+            <a:ext cx="4298156" cy="686593"/>
           </a:xfrm>
         </p:spPr>
         <p:txBody>
@@ -1680,39 +1680,39 @@
           <a:lstStyle>
             <a:lvl1pPr marL="0" indent="0">
               <a:buNone/>
-              <a:defRPr sz="1800" b="1"/>
+              <a:defRPr sz="2000" b="1"/>
             </a:lvl1pPr>
-            <a:lvl2pPr marL="342900" indent="0">
+            <a:lvl2pPr marL="380996" indent="0">
+              <a:buNone/>
+              <a:defRPr sz="1667" b="1"/>
+            </a:lvl2pPr>
+            <a:lvl3pPr marL="761992" indent="0">
               <a:buNone/>
               <a:defRPr sz="1500" b="1"/>
-            </a:lvl2pPr>
-            <a:lvl3pPr marL="685800" indent="0">
-              <a:buNone/>
-              <a:defRPr sz="1350" b="1"/>
             </a:lvl3pPr>
-            <a:lvl4pPr marL="1028700" indent="0">
-              <a:buNone/>
-              <a:defRPr sz="1200" b="1"/>
+            <a:lvl4pPr marL="1142989" indent="0">
+              <a:buNone/>
+              <a:defRPr sz="1333" b="1"/>
             </a:lvl4pPr>
-            <a:lvl5pPr marL="1371600" indent="0">
-              <a:buNone/>
-              <a:defRPr sz="1200" b="1"/>
+            <a:lvl5pPr marL="1523985" indent="0">
+              <a:buNone/>
+              <a:defRPr sz="1333" b="1"/>
             </a:lvl5pPr>
-            <a:lvl6pPr marL="1714500" indent="0">
-              <a:buNone/>
-              <a:defRPr sz="1200" b="1"/>
+            <a:lvl6pPr marL="1904981" indent="0">
+              <a:buNone/>
+              <a:defRPr sz="1333" b="1"/>
             </a:lvl6pPr>
-            <a:lvl7pPr marL="2057400" indent="0">
-              <a:buNone/>
-              <a:defRPr sz="1200" b="1"/>
+            <a:lvl7pPr marL="2285977" indent="0">
+              <a:buNone/>
+              <a:defRPr sz="1333" b="1"/>
             </a:lvl7pPr>
-            <a:lvl8pPr marL="2400300" indent="0">
-              <a:buNone/>
-              <a:defRPr sz="1200" b="1"/>
+            <a:lvl8pPr marL="2666973" indent="0">
+              <a:buNone/>
+              <a:defRPr sz="1333" b="1"/>
             </a:lvl8pPr>
-            <a:lvl9pPr marL="2743200" indent="0">
-              <a:buNone/>
-              <a:defRPr sz="1200" b="1"/>
+            <a:lvl9pPr marL="3047970" indent="0">
+              <a:buNone/>
+              <a:defRPr sz="1333" b="1"/>
             </a:lvl9pPr>
           </a:lstStyle>
           <a:p>
@@ -1736,8 +1736,8 @@
         </p:nvSpPr>
         <p:spPr>
           <a:xfrm>
-            <a:off x="629842" y="2087563"/>
-            <a:ext cx="3868340" cy="3070490"/>
+            <a:off x="699824" y="2087563"/>
+            <a:ext cx="4298156" cy="3070490"/>
           </a:xfrm>
         </p:spPr>
         <p:txBody>
@@ -1793,8 +1793,8 @@
         </p:nvSpPr>
         <p:spPr>
           <a:xfrm>
-            <a:off x="4629150" y="1400969"/>
-            <a:ext cx="3887391" cy="686593"/>
+            <a:off x="5143501" y="1400970"/>
+            <a:ext cx="4319323" cy="686593"/>
           </a:xfrm>
         </p:spPr>
         <p:txBody>
@@ -1802,39 +1802,39 @@
           <a:lstStyle>
             <a:lvl1pPr marL="0" indent="0">
               <a:buNone/>
-              <a:defRPr sz="1800" b="1"/>
+              <a:defRPr sz="2000" b="1"/>
             </a:lvl1pPr>
-            <a:lvl2pPr marL="342900" indent="0">
+            <a:lvl2pPr marL="380996" indent="0">
+              <a:buNone/>
+              <a:defRPr sz="1667" b="1"/>
+            </a:lvl2pPr>
+            <a:lvl3pPr marL="761992" indent="0">
               <a:buNone/>
               <a:defRPr sz="1500" b="1"/>
-            </a:lvl2pPr>
-            <a:lvl3pPr marL="685800" indent="0">
-              <a:buNone/>
-              <a:defRPr sz="1350" b="1"/>
             </a:lvl3pPr>
-            <a:lvl4pPr marL="1028700" indent="0">
-              <a:buNone/>
-              <a:defRPr sz="1200" b="1"/>
+            <a:lvl4pPr marL="1142989" indent="0">
+              <a:buNone/>
+              <a:defRPr sz="1333" b="1"/>
             </a:lvl4pPr>
-            <a:lvl5pPr marL="1371600" indent="0">
-              <a:buNone/>
-              <a:defRPr sz="1200" b="1"/>
+            <a:lvl5pPr marL="1523985" indent="0">
+              <a:buNone/>
+              <a:defRPr sz="1333" b="1"/>
             </a:lvl5pPr>
-            <a:lvl6pPr marL="1714500" indent="0">
-              <a:buNone/>
-              <a:defRPr sz="1200" b="1"/>
+            <a:lvl6pPr marL="1904981" indent="0">
+              <a:buNone/>
+              <a:defRPr sz="1333" b="1"/>
             </a:lvl6pPr>
-            <a:lvl7pPr marL="2057400" indent="0">
-              <a:buNone/>
-              <a:defRPr sz="1200" b="1"/>
+            <a:lvl7pPr marL="2285977" indent="0">
+              <a:buNone/>
+              <a:defRPr sz="1333" b="1"/>
             </a:lvl7pPr>
-            <a:lvl8pPr marL="2400300" indent="0">
-              <a:buNone/>
-              <a:defRPr sz="1200" b="1"/>
+            <a:lvl8pPr marL="2666973" indent="0">
+              <a:buNone/>
+              <a:defRPr sz="1333" b="1"/>
             </a:lvl8pPr>
-            <a:lvl9pPr marL="2743200" indent="0">
-              <a:buNone/>
-              <a:defRPr sz="1200" b="1"/>
+            <a:lvl9pPr marL="3047970" indent="0">
+              <a:buNone/>
+              <a:defRPr sz="1333" b="1"/>
             </a:lvl9pPr>
           </a:lstStyle>
           <a:p>
@@ -1858,8 +1858,8 @@
         </p:nvSpPr>
         <p:spPr>
           <a:xfrm>
-            <a:off x="4629150" y="2087563"/>
-            <a:ext cx="3887391" cy="3070490"/>
+            <a:off x="5143501" y="2087563"/>
+            <a:ext cx="4319323" cy="3070490"/>
           </a:xfrm>
         </p:spPr>
         <p:txBody>
@@ -1920,7 +1920,7 @@
           <a:p>
             <a:fld id="{C9F3244D-FF4B-4F20-B6B2-61D983D16381}" type="datetimeFigureOut">
               <a:rPr lang="ko-KR" altLang="en-US" smtClean="0"/>
-              <a:t>2020-09-27</a:t>
+              <a:t>2021-01-23</a:t>
             </a:fld>
             <a:endParaRPr lang="ko-KR" altLang="en-US"/>
           </a:p>
@@ -2038,7 +2038,7 @@
           <a:p>
             <a:fld id="{C9F3244D-FF4B-4F20-B6B2-61D983D16381}" type="datetimeFigureOut">
               <a:rPr lang="ko-KR" altLang="en-US" smtClean="0"/>
-              <a:t>2020-09-27</a:t>
+              <a:t>2021-01-23</a:t>
             </a:fld>
             <a:endParaRPr lang="ko-KR" altLang="en-US"/>
           </a:p>
@@ -2133,7 +2133,7 @@
           <a:p>
             <a:fld id="{C9F3244D-FF4B-4F20-B6B2-61D983D16381}" type="datetimeFigureOut">
               <a:rPr lang="ko-KR" altLang="en-US" smtClean="0"/>
-              <a:t>2020-09-27</a:t>
+              <a:t>2021-01-23</a:t>
             </a:fld>
             <a:endParaRPr lang="ko-KR" altLang="en-US"/>
           </a:p>
@@ -2223,15 +2223,15 @@
         </p:nvSpPr>
         <p:spPr>
           <a:xfrm>
-            <a:off x="629841" y="381000"/>
-            <a:ext cx="2949178" cy="1333500"/>
+            <a:off x="699824" y="381000"/>
+            <a:ext cx="3276864" cy="1333500"/>
           </a:xfrm>
         </p:spPr>
         <p:txBody>
           <a:bodyPr anchor="b"/>
           <a:lstStyle>
             <a:lvl1pPr>
-              <a:defRPr sz="2400"/>
+              <a:defRPr sz="2667"/>
             </a:lvl1pPr>
           </a:lstStyle>
           <a:p>
@@ -2255,39 +2255,39 @@
         </p:nvSpPr>
         <p:spPr>
           <a:xfrm>
-            <a:off x="3887391" y="822855"/>
-            <a:ext cx="4629150" cy="4061354"/>
+            <a:off x="4319323" y="822855"/>
+            <a:ext cx="5143500" cy="4061354"/>
           </a:xfrm>
         </p:spPr>
         <p:txBody>
           <a:bodyPr/>
           <a:lstStyle>
             <a:lvl1pPr>
-              <a:defRPr sz="2400"/>
+              <a:defRPr sz="2667"/>
             </a:lvl1pPr>
             <a:lvl2pPr>
-              <a:defRPr sz="2100"/>
+              <a:defRPr sz="2333"/>
             </a:lvl2pPr>
             <a:lvl3pPr>
-              <a:defRPr sz="1800"/>
+              <a:defRPr sz="2000"/>
             </a:lvl3pPr>
             <a:lvl4pPr>
-              <a:defRPr sz="1500"/>
+              <a:defRPr sz="1667"/>
             </a:lvl4pPr>
             <a:lvl5pPr>
-              <a:defRPr sz="1500"/>
+              <a:defRPr sz="1667"/>
             </a:lvl5pPr>
             <a:lvl6pPr>
-              <a:defRPr sz="1500"/>
+              <a:defRPr sz="1667"/>
             </a:lvl6pPr>
             <a:lvl7pPr>
-              <a:defRPr sz="1500"/>
+              <a:defRPr sz="1667"/>
             </a:lvl7pPr>
             <a:lvl8pPr>
-              <a:defRPr sz="1500"/>
+              <a:defRPr sz="1667"/>
             </a:lvl8pPr>
             <a:lvl9pPr>
-              <a:defRPr sz="1500"/>
+              <a:defRPr sz="1667"/>
             </a:lvl9pPr>
           </a:lstStyle>
           <a:p>
@@ -2340,8 +2340,8 @@
         </p:nvSpPr>
         <p:spPr>
           <a:xfrm>
-            <a:off x="629841" y="1714500"/>
-            <a:ext cx="2949178" cy="3176323"/>
+            <a:off x="699824" y="1714500"/>
+            <a:ext cx="3276864" cy="3176323"/>
           </a:xfrm>
         </p:spPr>
         <p:txBody>
@@ -2349,39 +2349,39 @@
           <a:lstStyle>
             <a:lvl1pPr marL="0" indent="0">
               <a:buNone/>
-              <a:defRPr sz="1200"/>
+              <a:defRPr sz="1333"/>
             </a:lvl1pPr>
-            <a:lvl2pPr marL="342900" indent="0">
-              <a:buNone/>
-              <a:defRPr sz="1050"/>
+            <a:lvl2pPr marL="380996" indent="0">
+              <a:buNone/>
+              <a:defRPr sz="1167"/>
             </a:lvl2pPr>
-            <a:lvl3pPr marL="685800" indent="0">
-              <a:buNone/>
-              <a:defRPr sz="900"/>
+            <a:lvl3pPr marL="761992" indent="0">
+              <a:buNone/>
+              <a:defRPr sz="1000"/>
             </a:lvl3pPr>
-            <a:lvl4pPr marL="1028700" indent="0">
-              <a:buNone/>
-              <a:defRPr sz="750"/>
+            <a:lvl4pPr marL="1142989" indent="0">
+              <a:buNone/>
+              <a:defRPr sz="833"/>
             </a:lvl4pPr>
-            <a:lvl5pPr marL="1371600" indent="0">
-              <a:buNone/>
-              <a:defRPr sz="750"/>
+            <a:lvl5pPr marL="1523985" indent="0">
+              <a:buNone/>
+              <a:defRPr sz="833"/>
             </a:lvl5pPr>
-            <a:lvl6pPr marL="1714500" indent="0">
-              <a:buNone/>
-              <a:defRPr sz="750"/>
+            <a:lvl6pPr marL="1904981" indent="0">
+              <a:buNone/>
+              <a:defRPr sz="833"/>
             </a:lvl6pPr>
-            <a:lvl7pPr marL="2057400" indent="0">
-              <a:buNone/>
-              <a:defRPr sz="750"/>
+            <a:lvl7pPr marL="2285977" indent="0">
+              <a:buNone/>
+              <a:defRPr sz="833"/>
             </a:lvl7pPr>
-            <a:lvl8pPr marL="2400300" indent="0">
-              <a:buNone/>
-              <a:defRPr sz="750"/>
+            <a:lvl8pPr marL="2666973" indent="0">
+              <a:buNone/>
+              <a:defRPr sz="833"/>
             </a:lvl8pPr>
-            <a:lvl9pPr marL="2743200" indent="0">
-              <a:buNone/>
-              <a:defRPr sz="750"/>
+            <a:lvl9pPr marL="3047970" indent="0">
+              <a:buNone/>
+              <a:defRPr sz="833"/>
             </a:lvl9pPr>
           </a:lstStyle>
           <a:p>
@@ -2410,7 +2410,7 @@
           <a:p>
             <a:fld id="{C9F3244D-FF4B-4F20-B6B2-61D983D16381}" type="datetimeFigureOut">
               <a:rPr lang="ko-KR" altLang="en-US" smtClean="0"/>
-              <a:t>2020-09-27</a:t>
+              <a:t>2021-01-23</a:t>
             </a:fld>
             <a:endParaRPr lang="ko-KR" altLang="en-US"/>
           </a:p>
@@ -2500,15 +2500,15 @@
         </p:nvSpPr>
         <p:spPr>
           <a:xfrm>
-            <a:off x="629841" y="381000"/>
-            <a:ext cx="2949178" cy="1333500"/>
+            <a:off x="699824" y="381000"/>
+            <a:ext cx="3276864" cy="1333500"/>
           </a:xfrm>
         </p:spPr>
         <p:txBody>
           <a:bodyPr anchor="b"/>
           <a:lstStyle>
             <a:lvl1pPr>
-              <a:defRPr sz="2400"/>
+              <a:defRPr sz="2667"/>
             </a:lvl1pPr>
           </a:lstStyle>
           <a:p>
@@ -2532,8 +2532,8 @@
         </p:nvSpPr>
         <p:spPr>
           <a:xfrm>
-            <a:off x="3887391" y="822855"/>
-            <a:ext cx="4629150" cy="4061354"/>
+            <a:off x="4319323" y="822855"/>
+            <a:ext cx="5143500" cy="4061354"/>
           </a:xfrm>
         </p:spPr>
         <p:txBody>
@@ -2541,39 +2541,39 @@
           <a:lstStyle>
             <a:lvl1pPr marL="0" indent="0">
               <a:buNone/>
-              <a:defRPr sz="2400"/>
+              <a:defRPr sz="2667"/>
             </a:lvl1pPr>
-            <a:lvl2pPr marL="342900" indent="0">
-              <a:buNone/>
-              <a:defRPr sz="2100"/>
+            <a:lvl2pPr marL="380996" indent="0">
+              <a:buNone/>
+              <a:defRPr sz="2333"/>
             </a:lvl2pPr>
-            <a:lvl3pPr marL="685800" indent="0">
-              <a:buNone/>
-              <a:defRPr sz="1800"/>
+            <a:lvl3pPr marL="761992" indent="0">
+              <a:buNone/>
+              <a:defRPr sz="2000"/>
             </a:lvl3pPr>
-            <a:lvl4pPr marL="1028700" indent="0">
-              <a:buNone/>
-              <a:defRPr sz="1500"/>
+            <a:lvl4pPr marL="1142989" indent="0">
+              <a:buNone/>
+              <a:defRPr sz="1667"/>
             </a:lvl4pPr>
-            <a:lvl5pPr marL="1371600" indent="0">
-              <a:buNone/>
-              <a:defRPr sz="1500"/>
+            <a:lvl5pPr marL="1523985" indent="0">
+              <a:buNone/>
+              <a:defRPr sz="1667"/>
             </a:lvl5pPr>
-            <a:lvl6pPr marL="1714500" indent="0">
-              <a:buNone/>
-              <a:defRPr sz="1500"/>
+            <a:lvl6pPr marL="1904981" indent="0">
+              <a:buNone/>
+              <a:defRPr sz="1667"/>
             </a:lvl6pPr>
-            <a:lvl7pPr marL="2057400" indent="0">
-              <a:buNone/>
-              <a:defRPr sz="1500"/>
+            <a:lvl7pPr marL="2285977" indent="0">
+              <a:buNone/>
+              <a:defRPr sz="1667"/>
             </a:lvl7pPr>
-            <a:lvl8pPr marL="2400300" indent="0">
-              <a:buNone/>
-              <a:defRPr sz="1500"/>
+            <a:lvl8pPr marL="2666973" indent="0">
+              <a:buNone/>
+              <a:defRPr sz="1667"/>
             </a:lvl8pPr>
-            <a:lvl9pPr marL="2743200" indent="0">
-              <a:buNone/>
-              <a:defRPr sz="1500"/>
+            <a:lvl9pPr marL="3047970" indent="0">
+              <a:buNone/>
+              <a:defRPr sz="1667"/>
             </a:lvl9pPr>
           </a:lstStyle>
           <a:p>
@@ -2597,8 +2597,8 @@
         </p:nvSpPr>
         <p:spPr>
           <a:xfrm>
-            <a:off x="629841" y="1714500"/>
-            <a:ext cx="2949178" cy="3176323"/>
+            <a:off x="699824" y="1714500"/>
+            <a:ext cx="3276864" cy="3176323"/>
           </a:xfrm>
         </p:spPr>
         <p:txBody>
@@ -2606,39 +2606,39 @@
           <a:lstStyle>
             <a:lvl1pPr marL="0" indent="0">
               <a:buNone/>
-              <a:defRPr sz="1200"/>
+              <a:defRPr sz="1333"/>
             </a:lvl1pPr>
-            <a:lvl2pPr marL="342900" indent="0">
-              <a:buNone/>
-              <a:defRPr sz="1050"/>
+            <a:lvl2pPr marL="380996" indent="0">
+              <a:buNone/>
+              <a:defRPr sz="1167"/>
             </a:lvl2pPr>
-            <a:lvl3pPr marL="685800" indent="0">
-              <a:buNone/>
-              <a:defRPr sz="900"/>
+            <a:lvl3pPr marL="761992" indent="0">
+              <a:buNone/>
+              <a:defRPr sz="1000"/>
             </a:lvl3pPr>
-            <a:lvl4pPr marL="1028700" indent="0">
-              <a:buNone/>
-              <a:defRPr sz="750"/>
+            <a:lvl4pPr marL="1142989" indent="0">
+              <a:buNone/>
+              <a:defRPr sz="833"/>
             </a:lvl4pPr>
-            <a:lvl5pPr marL="1371600" indent="0">
-              <a:buNone/>
-              <a:defRPr sz="750"/>
+            <a:lvl5pPr marL="1523985" indent="0">
+              <a:buNone/>
+              <a:defRPr sz="833"/>
             </a:lvl5pPr>
-            <a:lvl6pPr marL="1714500" indent="0">
-              <a:buNone/>
-              <a:defRPr sz="750"/>
+            <a:lvl6pPr marL="1904981" indent="0">
+              <a:buNone/>
+              <a:defRPr sz="833"/>
             </a:lvl6pPr>
-            <a:lvl7pPr marL="2057400" indent="0">
-              <a:buNone/>
-              <a:defRPr sz="750"/>
+            <a:lvl7pPr marL="2285977" indent="0">
+              <a:buNone/>
+              <a:defRPr sz="833"/>
             </a:lvl7pPr>
-            <a:lvl8pPr marL="2400300" indent="0">
-              <a:buNone/>
-              <a:defRPr sz="750"/>
+            <a:lvl8pPr marL="2666973" indent="0">
+              <a:buNone/>
+              <a:defRPr sz="833"/>
             </a:lvl8pPr>
-            <a:lvl9pPr marL="2743200" indent="0">
-              <a:buNone/>
-              <a:defRPr sz="750"/>
+            <a:lvl9pPr marL="3047970" indent="0">
+              <a:buNone/>
+              <a:defRPr sz="833"/>
             </a:lvl9pPr>
           </a:lstStyle>
           <a:p>
@@ -2667,7 +2667,7 @@
           <a:p>
             <a:fld id="{C9F3244D-FF4B-4F20-B6B2-61D983D16381}" type="datetimeFigureOut">
               <a:rPr lang="ko-KR" altLang="en-US" smtClean="0"/>
-              <a:t>2020-09-27</a:t>
+              <a:t>2021-01-23</a:t>
             </a:fld>
             <a:endParaRPr lang="ko-KR" altLang="en-US"/>
           </a:p>
@@ -2762,8 +2762,8 @@
         </p:nvSpPr>
         <p:spPr>
           <a:xfrm>
-            <a:off x="628650" y="304271"/>
-            <a:ext cx="7886700" cy="1104636"/>
+            <a:off x="698500" y="304271"/>
+            <a:ext cx="8763000" cy="1104636"/>
           </a:xfrm>
           <a:prstGeom prst="rect">
             <a:avLst/>
@@ -2795,8 +2795,8 @@
         </p:nvSpPr>
         <p:spPr>
           <a:xfrm>
-            <a:off x="628650" y="1521354"/>
-            <a:ext cx="7886700" cy="3626115"/>
+            <a:off x="698500" y="1521355"/>
+            <a:ext cx="8763000" cy="3626115"/>
           </a:xfrm>
           <a:prstGeom prst="rect">
             <a:avLst/>
@@ -2857,8 +2857,8 @@
         </p:nvSpPr>
         <p:spPr>
           <a:xfrm>
-            <a:off x="628650" y="5296959"/>
-            <a:ext cx="2057400" cy="304271"/>
+            <a:off x="698500" y="5296960"/>
+            <a:ext cx="2286000" cy="304271"/>
           </a:xfrm>
           <a:prstGeom prst="rect">
             <a:avLst/>
@@ -2868,7 +2868,7 @@
           <a:bodyPr vert="horz" lIns="91440" tIns="45720" rIns="91440" bIns="45720" rtlCol="0" anchor="ctr"/>
           <a:lstStyle>
             <a:lvl1pPr algn="l">
-              <a:defRPr sz="900">
+              <a:defRPr sz="1000">
                 <a:solidFill>
                   <a:schemeClr val="tx1">
                     <a:tint val="75000"/>
@@ -2880,7 +2880,7 @@
           <a:p>
             <a:fld id="{C9F3244D-FF4B-4F20-B6B2-61D983D16381}" type="datetimeFigureOut">
               <a:rPr lang="ko-KR" altLang="en-US" smtClean="0"/>
-              <a:t>2020-09-27</a:t>
+              <a:t>2021-01-23</a:t>
             </a:fld>
             <a:endParaRPr lang="ko-KR" altLang="en-US"/>
           </a:p>
@@ -2898,8 +2898,8 @@
         </p:nvSpPr>
         <p:spPr>
           <a:xfrm>
-            <a:off x="3028950" y="5296959"/>
-            <a:ext cx="3086100" cy="304271"/>
+            <a:off x="3365500" y="5296960"/>
+            <a:ext cx="3429000" cy="304271"/>
           </a:xfrm>
           <a:prstGeom prst="rect">
             <a:avLst/>
@@ -2909,7 +2909,7 @@
           <a:bodyPr vert="horz" lIns="91440" tIns="45720" rIns="91440" bIns="45720" rtlCol="0" anchor="ctr"/>
           <a:lstStyle>
             <a:lvl1pPr algn="ctr">
-              <a:defRPr sz="900">
+              <a:defRPr sz="1000">
                 <a:solidFill>
                   <a:schemeClr val="tx1">
                     <a:tint val="75000"/>
@@ -2935,8 +2935,8 @@
         </p:nvSpPr>
         <p:spPr>
           <a:xfrm>
-            <a:off x="6457950" y="5296959"/>
-            <a:ext cx="2057400" cy="304271"/>
+            <a:off x="7175500" y="5296960"/>
+            <a:ext cx="2286000" cy="304271"/>
           </a:xfrm>
           <a:prstGeom prst="rect">
             <a:avLst/>
@@ -2946,7 +2946,7 @@
           <a:bodyPr vert="horz" lIns="91440" tIns="45720" rIns="91440" bIns="45720" rtlCol="0" anchor="ctr"/>
           <a:lstStyle>
             <a:lvl1pPr algn="r">
-              <a:defRPr sz="900">
+              <a:defRPr sz="1000">
                 <a:solidFill>
                   <a:schemeClr val="tx1">
                     <a:tint val="75000"/>
@@ -2987,7 +2987,7 @@
   </p:sldLayoutIdLst>
   <p:txStyles>
     <p:titleStyle>
-      <a:lvl1pPr algn="l" defTabSz="685800" rtl="0" eaLnBrk="1" latinLnBrk="1" hangingPunct="1">
+      <a:lvl1pPr algn="l" defTabSz="761992" rtl="0" eaLnBrk="1" latinLnBrk="1" hangingPunct="1">
         <a:lnSpc>
           <a:spcPct val="90000"/>
         </a:lnSpc>
@@ -2995,7 +2995,7 @@
           <a:spcPct val="0"/>
         </a:spcBef>
         <a:buNone/>
-        <a:defRPr sz="3300" kern="1200">
+        <a:defRPr sz="3667" kern="1200">
           <a:solidFill>
             <a:schemeClr val="tx1"/>
           </a:solidFill>
@@ -3006,16 +3006,16 @@
       </a:lvl1pPr>
     </p:titleStyle>
     <p:bodyStyle>
-      <a:lvl1pPr marL="171450" indent="-171450" algn="l" defTabSz="685800" rtl="0" eaLnBrk="1" latinLnBrk="1" hangingPunct="1">
+      <a:lvl1pPr marL="190498" indent="-190498" algn="l" defTabSz="761992" rtl="0" eaLnBrk="1" latinLnBrk="1" hangingPunct="1">
         <a:lnSpc>
           <a:spcPct val="90000"/>
         </a:lnSpc>
         <a:spcBef>
-          <a:spcPts val="750"/>
+          <a:spcPts val="833"/>
         </a:spcBef>
         <a:buFont typeface="Arial" panose="020B0604020202020204" pitchFamily="34" charset="0"/>
         <a:buChar char="•"/>
-        <a:defRPr sz="2100" kern="1200">
+        <a:defRPr sz="2333" kern="1200">
           <a:solidFill>
             <a:schemeClr val="tx1"/>
           </a:solidFill>
@@ -3024,16 +3024,16 @@
           <a:cs typeface="+mn-cs"/>
         </a:defRPr>
       </a:lvl1pPr>
-      <a:lvl2pPr marL="514350" indent="-171450" algn="l" defTabSz="685800" rtl="0" eaLnBrk="1" latinLnBrk="1" hangingPunct="1">
+      <a:lvl2pPr marL="571494" indent="-190498" algn="l" defTabSz="761992" rtl="0" eaLnBrk="1" latinLnBrk="1" hangingPunct="1">
         <a:lnSpc>
           <a:spcPct val="90000"/>
         </a:lnSpc>
         <a:spcBef>
-          <a:spcPts val="375"/>
+          <a:spcPts val="417"/>
         </a:spcBef>
         <a:buFont typeface="Arial" panose="020B0604020202020204" pitchFamily="34" charset="0"/>
         <a:buChar char="•"/>
-        <a:defRPr sz="1800" kern="1200">
+        <a:defRPr sz="2000" kern="1200">
           <a:solidFill>
             <a:schemeClr val="tx1"/>
           </a:solidFill>
@@ -3042,12 +3042,30 @@
           <a:cs typeface="+mn-cs"/>
         </a:defRPr>
       </a:lvl2pPr>
-      <a:lvl3pPr marL="857250" indent="-171450" algn="l" defTabSz="685800" rtl="0" eaLnBrk="1" latinLnBrk="1" hangingPunct="1">
+      <a:lvl3pPr marL="952490" indent="-190498" algn="l" defTabSz="761992" rtl="0" eaLnBrk="1" latinLnBrk="1" hangingPunct="1">
         <a:lnSpc>
           <a:spcPct val="90000"/>
         </a:lnSpc>
         <a:spcBef>
-          <a:spcPts val="375"/>
+          <a:spcPts val="417"/>
+        </a:spcBef>
+        <a:buFont typeface="Arial" panose="020B0604020202020204" pitchFamily="34" charset="0"/>
+        <a:buChar char="•"/>
+        <a:defRPr sz="1667" kern="1200">
+          <a:solidFill>
+            <a:schemeClr val="tx1"/>
+          </a:solidFill>
+          <a:latin typeface="+mn-lt"/>
+          <a:ea typeface="+mn-ea"/>
+          <a:cs typeface="+mn-cs"/>
+        </a:defRPr>
+      </a:lvl3pPr>
+      <a:lvl4pPr marL="1333487" indent="-190498" algn="l" defTabSz="761992" rtl="0" eaLnBrk="1" latinLnBrk="1" hangingPunct="1">
+        <a:lnSpc>
+          <a:spcPct val="90000"/>
+        </a:lnSpc>
+        <a:spcBef>
+          <a:spcPts val="417"/>
         </a:spcBef>
         <a:buFont typeface="Arial" panose="020B0604020202020204" pitchFamily="34" charset="0"/>
         <a:buChar char="•"/>
@@ -3059,35 +3077,17 @@
           <a:ea typeface="+mn-ea"/>
           <a:cs typeface="+mn-cs"/>
         </a:defRPr>
-      </a:lvl3pPr>
-      <a:lvl4pPr marL="1200150" indent="-171450" algn="l" defTabSz="685800" rtl="0" eaLnBrk="1" latinLnBrk="1" hangingPunct="1">
+      </a:lvl4pPr>
+      <a:lvl5pPr marL="1714483" indent="-190498" algn="l" defTabSz="761992" rtl="0" eaLnBrk="1" latinLnBrk="1" hangingPunct="1">
         <a:lnSpc>
           <a:spcPct val="90000"/>
         </a:lnSpc>
         <a:spcBef>
-          <a:spcPts val="375"/>
+          <a:spcPts val="417"/>
         </a:spcBef>
         <a:buFont typeface="Arial" panose="020B0604020202020204" pitchFamily="34" charset="0"/>
         <a:buChar char="•"/>
-        <a:defRPr sz="1350" kern="1200">
-          <a:solidFill>
-            <a:schemeClr val="tx1"/>
-          </a:solidFill>
-          <a:latin typeface="+mn-lt"/>
-          <a:ea typeface="+mn-ea"/>
-          <a:cs typeface="+mn-cs"/>
-        </a:defRPr>
-      </a:lvl4pPr>
-      <a:lvl5pPr marL="1543050" indent="-171450" algn="l" defTabSz="685800" rtl="0" eaLnBrk="1" latinLnBrk="1" hangingPunct="1">
-        <a:lnSpc>
-          <a:spcPct val="90000"/>
-        </a:lnSpc>
-        <a:spcBef>
-          <a:spcPts val="375"/>
-        </a:spcBef>
-        <a:buFont typeface="Arial" panose="020B0604020202020204" pitchFamily="34" charset="0"/>
-        <a:buChar char="•"/>
-        <a:defRPr sz="1350" kern="1200">
+        <a:defRPr sz="1500" kern="1200">
           <a:solidFill>
             <a:schemeClr val="tx1"/>
           </a:solidFill>
@@ -3096,16 +3096,16 @@
           <a:cs typeface="+mn-cs"/>
         </a:defRPr>
       </a:lvl5pPr>
-      <a:lvl6pPr marL="1885950" indent="-171450" algn="l" defTabSz="685800" rtl="0" eaLnBrk="1" latinLnBrk="1" hangingPunct="1">
+      <a:lvl6pPr marL="2095479" indent="-190498" algn="l" defTabSz="761992" rtl="0" eaLnBrk="1" latinLnBrk="1" hangingPunct="1">
         <a:lnSpc>
           <a:spcPct val="90000"/>
         </a:lnSpc>
         <a:spcBef>
-          <a:spcPts val="375"/>
+          <a:spcPts val="417"/>
         </a:spcBef>
         <a:buFont typeface="Arial" panose="020B0604020202020204" pitchFamily="34" charset="0"/>
         <a:buChar char="•"/>
-        <a:defRPr sz="1350" kern="1200">
+        <a:defRPr sz="1500" kern="1200">
           <a:solidFill>
             <a:schemeClr val="tx1"/>
           </a:solidFill>
@@ -3114,16 +3114,16 @@
           <a:cs typeface="+mn-cs"/>
         </a:defRPr>
       </a:lvl6pPr>
-      <a:lvl7pPr marL="2228850" indent="-171450" algn="l" defTabSz="685800" rtl="0" eaLnBrk="1" latinLnBrk="1" hangingPunct="1">
+      <a:lvl7pPr marL="2476475" indent="-190498" algn="l" defTabSz="761992" rtl="0" eaLnBrk="1" latinLnBrk="1" hangingPunct="1">
         <a:lnSpc>
           <a:spcPct val="90000"/>
         </a:lnSpc>
         <a:spcBef>
-          <a:spcPts val="375"/>
+          <a:spcPts val="417"/>
         </a:spcBef>
         <a:buFont typeface="Arial" panose="020B0604020202020204" pitchFamily="34" charset="0"/>
         <a:buChar char="•"/>
-        <a:defRPr sz="1350" kern="1200">
+        <a:defRPr sz="1500" kern="1200">
           <a:solidFill>
             <a:schemeClr val="tx1"/>
           </a:solidFill>
@@ -3132,16 +3132,16 @@
           <a:cs typeface="+mn-cs"/>
         </a:defRPr>
       </a:lvl7pPr>
-      <a:lvl8pPr marL="2571750" indent="-171450" algn="l" defTabSz="685800" rtl="0" eaLnBrk="1" latinLnBrk="1" hangingPunct="1">
+      <a:lvl8pPr marL="2857471" indent="-190498" algn="l" defTabSz="761992" rtl="0" eaLnBrk="1" latinLnBrk="1" hangingPunct="1">
         <a:lnSpc>
           <a:spcPct val="90000"/>
         </a:lnSpc>
         <a:spcBef>
-          <a:spcPts val="375"/>
+          <a:spcPts val="417"/>
         </a:spcBef>
         <a:buFont typeface="Arial" panose="020B0604020202020204" pitchFamily="34" charset="0"/>
         <a:buChar char="•"/>
-        <a:defRPr sz="1350" kern="1200">
+        <a:defRPr sz="1500" kern="1200">
           <a:solidFill>
             <a:schemeClr val="tx1"/>
           </a:solidFill>
@@ -3150,16 +3150,16 @@
           <a:cs typeface="+mn-cs"/>
         </a:defRPr>
       </a:lvl8pPr>
-      <a:lvl9pPr marL="2914650" indent="-171450" algn="l" defTabSz="685800" rtl="0" eaLnBrk="1" latinLnBrk="1" hangingPunct="1">
+      <a:lvl9pPr marL="3238468" indent="-190498" algn="l" defTabSz="761992" rtl="0" eaLnBrk="1" latinLnBrk="1" hangingPunct="1">
         <a:lnSpc>
           <a:spcPct val="90000"/>
         </a:lnSpc>
         <a:spcBef>
-          <a:spcPts val="375"/>
+          <a:spcPts val="417"/>
         </a:spcBef>
         <a:buFont typeface="Arial" panose="020B0604020202020204" pitchFamily="34" charset="0"/>
         <a:buChar char="•"/>
-        <a:defRPr sz="1350" kern="1200">
+        <a:defRPr sz="1500" kern="1200">
           <a:solidFill>
             <a:schemeClr val="tx1"/>
           </a:solidFill>
@@ -3173,8 +3173,8 @@
       <a:defPPr>
         <a:defRPr lang="en-US"/>
       </a:defPPr>
-      <a:lvl1pPr marL="0" algn="l" defTabSz="685800" rtl="0" eaLnBrk="1" latinLnBrk="1" hangingPunct="1">
-        <a:defRPr sz="1350" kern="1200">
+      <a:lvl1pPr marL="0" algn="l" defTabSz="761992" rtl="0" eaLnBrk="1" latinLnBrk="1" hangingPunct="1">
+        <a:defRPr sz="1500" kern="1200">
           <a:solidFill>
             <a:schemeClr val="tx1"/>
           </a:solidFill>
@@ -3183,8 +3183,8 @@
           <a:cs typeface="+mn-cs"/>
         </a:defRPr>
       </a:lvl1pPr>
-      <a:lvl2pPr marL="342900" algn="l" defTabSz="685800" rtl="0" eaLnBrk="1" latinLnBrk="1" hangingPunct="1">
-        <a:defRPr sz="1350" kern="1200">
+      <a:lvl2pPr marL="380996" algn="l" defTabSz="761992" rtl="0" eaLnBrk="1" latinLnBrk="1" hangingPunct="1">
+        <a:defRPr sz="1500" kern="1200">
           <a:solidFill>
             <a:schemeClr val="tx1"/>
           </a:solidFill>
@@ -3193,8 +3193,8 @@
           <a:cs typeface="+mn-cs"/>
         </a:defRPr>
       </a:lvl2pPr>
-      <a:lvl3pPr marL="685800" algn="l" defTabSz="685800" rtl="0" eaLnBrk="1" latinLnBrk="1" hangingPunct="1">
-        <a:defRPr sz="1350" kern="1200">
+      <a:lvl3pPr marL="761992" algn="l" defTabSz="761992" rtl="0" eaLnBrk="1" latinLnBrk="1" hangingPunct="1">
+        <a:defRPr sz="1500" kern="1200">
           <a:solidFill>
             <a:schemeClr val="tx1"/>
           </a:solidFill>
@@ -3203,8 +3203,8 @@
           <a:cs typeface="+mn-cs"/>
         </a:defRPr>
       </a:lvl3pPr>
-      <a:lvl4pPr marL="1028700" algn="l" defTabSz="685800" rtl="0" eaLnBrk="1" latinLnBrk="1" hangingPunct="1">
-        <a:defRPr sz="1350" kern="1200">
+      <a:lvl4pPr marL="1142989" algn="l" defTabSz="761992" rtl="0" eaLnBrk="1" latinLnBrk="1" hangingPunct="1">
+        <a:defRPr sz="1500" kern="1200">
           <a:solidFill>
             <a:schemeClr val="tx1"/>
           </a:solidFill>
@@ -3213,8 +3213,8 @@
           <a:cs typeface="+mn-cs"/>
         </a:defRPr>
       </a:lvl4pPr>
-      <a:lvl5pPr marL="1371600" algn="l" defTabSz="685800" rtl="0" eaLnBrk="1" latinLnBrk="1" hangingPunct="1">
-        <a:defRPr sz="1350" kern="1200">
+      <a:lvl5pPr marL="1523985" algn="l" defTabSz="761992" rtl="0" eaLnBrk="1" latinLnBrk="1" hangingPunct="1">
+        <a:defRPr sz="1500" kern="1200">
           <a:solidFill>
             <a:schemeClr val="tx1"/>
           </a:solidFill>
@@ -3223,8 +3223,8 @@
           <a:cs typeface="+mn-cs"/>
         </a:defRPr>
       </a:lvl5pPr>
-      <a:lvl6pPr marL="1714500" algn="l" defTabSz="685800" rtl="0" eaLnBrk="1" latinLnBrk="1" hangingPunct="1">
-        <a:defRPr sz="1350" kern="1200">
+      <a:lvl6pPr marL="1904981" algn="l" defTabSz="761992" rtl="0" eaLnBrk="1" latinLnBrk="1" hangingPunct="1">
+        <a:defRPr sz="1500" kern="1200">
           <a:solidFill>
             <a:schemeClr val="tx1"/>
           </a:solidFill>
@@ -3233,8 +3233,8 @@
           <a:cs typeface="+mn-cs"/>
         </a:defRPr>
       </a:lvl6pPr>
-      <a:lvl7pPr marL="2057400" algn="l" defTabSz="685800" rtl="0" eaLnBrk="1" latinLnBrk="1" hangingPunct="1">
-        <a:defRPr sz="1350" kern="1200">
+      <a:lvl7pPr marL="2285977" algn="l" defTabSz="761992" rtl="0" eaLnBrk="1" latinLnBrk="1" hangingPunct="1">
+        <a:defRPr sz="1500" kern="1200">
           <a:solidFill>
             <a:schemeClr val="tx1"/>
           </a:solidFill>
@@ -3243,8 +3243,8 @@
           <a:cs typeface="+mn-cs"/>
         </a:defRPr>
       </a:lvl7pPr>
-      <a:lvl8pPr marL="2400300" algn="l" defTabSz="685800" rtl="0" eaLnBrk="1" latinLnBrk="1" hangingPunct="1">
-        <a:defRPr sz="1350" kern="1200">
+      <a:lvl8pPr marL="2666973" algn="l" defTabSz="761992" rtl="0" eaLnBrk="1" latinLnBrk="1" hangingPunct="1">
+        <a:defRPr sz="1500" kern="1200">
           <a:solidFill>
             <a:schemeClr val="tx1"/>
           </a:solidFill>
@@ -3253,8 +3253,8 @@
           <a:cs typeface="+mn-cs"/>
         </a:defRPr>
       </a:lvl8pPr>
-      <a:lvl9pPr marL="2743200" algn="l" defTabSz="685800" rtl="0" eaLnBrk="1" latinLnBrk="1" hangingPunct="1">
-        <a:defRPr sz="1350" kern="1200">
+      <a:lvl9pPr marL="3047970" algn="l" defTabSz="761992" rtl="0" eaLnBrk="1" latinLnBrk="1" hangingPunct="1">
+        <a:defRPr sz="1500" kern="1200">
           <a:solidFill>
             <a:schemeClr val="tx1"/>
           </a:solidFill>
@@ -3825,6 +3825,21 @@
 </file>
 
 <file path=customXml/item1.xml><?xml version="1.0" encoding="utf-8"?>
+<p:properties xmlns:p="http://schemas.microsoft.com/office/2006/metadata/properties" xmlns:xsi="http://www.w3.org/2001/XMLSchema-instance" xmlns:pc="http://schemas.microsoft.com/office/infopath/2007/PartnerControls">
+  <documentManagement/>
+</p:properties>
+</file>
+
+<file path=customXml/item2.xml><?xml version="1.0" encoding="utf-8"?>
+<?mso-contentType ?>
+<FormTemplates xmlns="http://schemas.microsoft.com/sharepoint/v3/contenttype/forms">
+  <Display>DocumentLibraryForm</Display>
+  <Edit>DocumentLibraryForm</Edit>
+  <New>DocumentLibraryForm</New>
+</FormTemplates>
+</file>
+
+<file path=customXml/item3.xml><?xml version="1.0" encoding="utf-8"?>
 <ct:contentTypeSchema xmlns:ct="http://schemas.microsoft.com/office/2006/metadata/contentType" xmlns:ma="http://schemas.microsoft.com/office/2006/metadata/properties/metaAttributes" ct:_="" ma:_="" ma:contentTypeName="Document" ma:contentTypeID="0x010100C66A408934E3DA40A07120D6CEF0B477" ma:contentTypeVersion="8" ma:contentTypeDescription="Create a new document." ma:contentTypeScope="" ma:versionID="85a59e8546d07f2fc7375d18879ca229">
   <xsd:schema xmlns:xsd="http://www.w3.org/2001/XMLSchema" xmlns:xs="http://www.w3.org/2001/XMLSchema" xmlns:p="http://schemas.microsoft.com/office/2006/metadata/properties" xmlns:ns3="8ba9a3db-de93-440c-bbae-0a8a89899f84" targetNamespace="http://schemas.microsoft.com/office/2006/metadata/properties" ma:root="true" ma:fieldsID="c392e3d24354705c9ed2121e176307bb" ns3:_="">
     <xsd:import namespace="8ba9a3db-de93-440c-bbae-0a8a89899f84"/>
@@ -3994,22 +4009,24 @@
 </ct:contentTypeSchema>
 </file>
 
-<file path=customXml/item2.xml><?xml version="1.0" encoding="utf-8"?>
-<?mso-contentType ?>
-<FormTemplates xmlns="http://schemas.microsoft.com/sharepoint/v3/contenttype/forms">
-  <Display>DocumentLibraryForm</Display>
-  <Edit>DocumentLibraryForm</Edit>
-  <New>DocumentLibraryForm</New>
-</FormTemplates>
+<file path=customXml/itemProps1.xml><?xml version="1.0" encoding="utf-8"?>
+<ds:datastoreItem xmlns:ds="http://schemas.openxmlformats.org/officeDocument/2006/customXml" ds:itemID="{A02EB7C4-4310-4680-93C1-B481FAF635CC}">
+  <ds:schemaRefs>
+    <ds:schemaRef ds:uri="http://schemas.microsoft.com/office/2006/metadata/properties"/>
+    <ds:schemaRef ds:uri="http://schemas.microsoft.com/office/infopath/2007/PartnerControls"/>
+  </ds:schemaRefs>
+</ds:datastoreItem>
 </file>
 
-<file path=customXml/item3.xml><?xml version="1.0" encoding="utf-8"?>
-<p:properties xmlns:p="http://schemas.microsoft.com/office/2006/metadata/properties" xmlns:xsi="http://www.w3.org/2001/XMLSchema-instance" xmlns:pc="http://schemas.microsoft.com/office/infopath/2007/PartnerControls">
-  <documentManagement/>
-</p:properties>
+<file path=customXml/itemProps2.xml><?xml version="1.0" encoding="utf-8"?>
+<ds:datastoreItem xmlns:ds="http://schemas.openxmlformats.org/officeDocument/2006/customXml" ds:itemID="{8B4ADA29-D481-47EB-B5D2-35038A2332BB}">
+  <ds:schemaRefs>
+    <ds:schemaRef ds:uri="http://schemas.microsoft.com/sharepoint/v3/contenttype/forms"/>
+  </ds:schemaRefs>
+</ds:datastoreItem>
 </file>
 
-<file path=customXml/itemProps1.xml><?xml version="1.0" encoding="utf-8"?>
+<file path=customXml/itemProps3.xml><?xml version="1.0" encoding="utf-8"?>
 <ds:datastoreItem xmlns:ds="http://schemas.openxmlformats.org/officeDocument/2006/customXml" ds:itemID="{C9FCAA67-88EA-41B6-AE42-AB901667259C}">
   <ds:schemaRefs>
     <ds:schemaRef ds:uri="http://schemas.microsoft.com/office/2006/metadata/contentType"/>
@@ -4025,21 +4042,4 @@
     <ds:schemaRef ds:uri="http://schemas.microsoft.com/internal/obd"/>
   </ds:schemaRefs>
 </ds:datastoreItem>
-</file>
-
-<file path=customXml/itemProps2.xml><?xml version="1.0" encoding="utf-8"?>
-<ds:datastoreItem xmlns:ds="http://schemas.openxmlformats.org/officeDocument/2006/customXml" ds:itemID="{8B4ADA29-D481-47EB-B5D2-35038A2332BB}">
-  <ds:schemaRefs>
-    <ds:schemaRef ds:uri="http://schemas.microsoft.com/sharepoint/v3/contenttype/forms"/>
-  </ds:schemaRefs>
-</ds:datastoreItem>
-</file>
-
-<file path=customXml/itemProps3.xml><?xml version="1.0" encoding="utf-8"?>
-<ds:datastoreItem xmlns:ds="http://schemas.openxmlformats.org/officeDocument/2006/customXml" ds:itemID="{A02EB7C4-4310-4680-93C1-B481FAF635CC}">
-  <ds:schemaRefs>
-    <ds:schemaRef ds:uri="http://schemas.microsoft.com/office/2006/metadata/properties"/>
-    <ds:schemaRef ds:uri="http://schemas.microsoft.com/office/infopath/2007/PartnerControls"/>
-  </ds:schemaRefs>
-</ds:datastoreItem>
 </file>